--- a/img/img.pptx
+++ b/img/img.pptx
@@ -107,6 +107,11 @@
       </a:defRPr>
     </a:lvl9pPr>
   </p:defaultTextStyle>
+  <p:extLst>
+    <p:ext uri="{EFAFB233-063F-42B5-8137-9DF3F51BA10A}">
+      <p15:sldGuideLst xmlns:p15="http://schemas.microsoft.com/office/powerpoint/2012/main"/>
+    </p:ext>
+  </p:extLst>
 </p:presentation>
 </file>
 
@@ -4777,7 +4782,7 @@
         </p:nvGrpSpPr>
         <p:grpSpPr>
           <a:xfrm>
-            <a:off x="2617744" y="667536"/>
+            <a:off x="2617744" y="640642"/>
             <a:ext cx="8644724" cy="5739988"/>
             <a:chOff x="2617744" y="667536"/>
             <a:chExt cx="8644724" cy="5739988"/>
@@ -5912,7 +5917,7 @@
           </p:nvSpPr>
           <p:spPr>
             <a:xfrm>
-              <a:off x="4307861" y="2505323"/>
+              <a:off x="4307860" y="2263362"/>
               <a:ext cx="466725" cy="354445"/>
             </a:xfrm>
             <a:prstGeom prst="rightArrow">
@@ -6016,7 +6021,7 @@
           </p:nvSpPr>
           <p:spPr>
             <a:xfrm>
-              <a:off x="8996364" y="2470740"/>
+              <a:off x="9023802" y="3638921"/>
               <a:ext cx="466725" cy="354445"/>
             </a:xfrm>
             <a:prstGeom prst="rightArrow">
@@ -6252,7 +6257,7 @@
           </p:nvSpPr>
           <p:spPr>
             <a:xfrm>
-              <a:off x="6801128" y="2556100"/>
+              <a:off x="6778348" y="2374232"/>
               <a:ext cx="368222" cy="330257"/>
             </a:xfrm>
             <a:prstGeom prst="flowChartSummingJunction">
@@ -6308,7 +6313,7 @@
           </p:nvSpPr>
           <p:spPr>
             <a:xfrm>
-              <a:off x="6741668" y="4399005"/>
+              <a:off x="6729644" y="4264866"/>
               <a:ext cx="368222" cy="330257"/>
             </a:xfrm>
             <a:prstGeom prst="flowChartSummingJunction">
@@ -6452,8 +6457,8 @@
           </p:nvSpPr>
           <p:spPr>
             <a:xfrm>
-              <a:off x="4108081" y="2877771"/>
-              <a:ext cx="820802" cy="369332"/>
+              <a:off x="3972416" y="2772127"/>
+              <a:ext cx="1172244" cy="523220"/>
             </a:xfrm>
             <a:prstGeom prst="rect">
               <a:avLst/>
@@ -6467,10 +6472,10 @@
             <a:lstStyle/>
             <a:p>
               <a:r>
-                <a:rPr lang="en-US" dirty="0">
+                <a:rPr lang="en-US" sz="2800" dirty="0">
                   <a:solidFill>
-                    <a:schemeClr val="tx2">
-                      <a:lumMod val="75000"/>
+                    <a:schemeClr val="accent1">
+                      <a:lumMod val="50000"/>
                     </a:schemeClr>
                   </a:solidFill>
                 </a:rPr>
@@ -6493,8 +6498,8 @@
           </p:nvSpPr>
           <p:spPr>
             <a:xfrm>
-              <a:off x="6534440" y="5185957"/>
-              <a:ext cx="820802" cy="646331"/>
+              <a:off x="6360648" y="5087346"/>
+              <a:ext cx="1172245" cy="954107"/>
             </a:xfrm>
             <a:prstGeom prst="rect">
               <a:avLst/>
@@ -6509,7 +6514,7 @@
             <a:p>
               <a:pPr algn="ctr"/>
               <a:r>
-                <a:rPr lang="en-US" dirty="0">
+                <a:rPr lang="en-US" sz="2800" dirty="0">
                   <a:solidFill>
                     <a:schemeClr val="accent2">
                       <a:lumMod val="75000"/>
@@ -6522,7 +6527,7 @@
             <a:p>
               <a:pPr algn="ctr"/>
               <a:r>
-                <a:rPr lang="en-US" dirty="0">
+                <a:rPr lang="en-US" sz="2800" dirty="0">
                   <a:solidFill>
                     <a:schemeClr val="accent2">
                       <a:lumMod val="75000"/>
@@ -6548,7 +6553,7 @@
           </p:nvSpPr>
           <p:spPr>
             <a:xfrm rot="10800000">
-              <a:off x="6711066" y="2908778"/>
+              <a:off x="6716582" y="2762518"/>
               <a:ext cx="466725" cy="208339"/>
             </a:xfrm>
             <a:prstGeom prst="rightArrow">
@@ -6599,7 +6604,7 @@
           </p:nvSpPr>
           <p:spPr>
             <a:xfrm rot="10800000">
-              <a:off x="6695447" y="4794983"/>
+              <a:off x="6683423" y="4660844"/>
               <a:ext cx="466725" cy="208339"/>
             </a:xfrm>
             <a:prstGeom prst="rightArrow">
@@ -6650,8 +6655,8 @@
           </p:nvSpPr>
           <p:spPr>
             <a:xfrm>
-              <a:off x="8812816" y="2914960"/>
-              <a:ext cx="820802" cy="369332"/>
+              <a:off x="8677957" y="4143264"/>
+              <a:ext cx="1172244" cy="523220"/>
             </a:xfrm>
             <a:prstGeom prst="rect">
               <a:avLst/>
@@ -6665,10 +6670,10 @@
             <a:lstStyle/>
             <a:p>
               <a:r>
-                <a:rPr lang="en-US" dirty="0">
+                <a:rPr lang="en-US" sz="2800" dirty="0">
                   <a:solidFill>
-                    <a:schemeClr val="tx2">
-                      <a:lumMod val="75000"/>
+                    <a:schemeClr val="accent1">
+                      <a:lumMod val="50000"/>
                     </a:schemeClr>
                   </a:solidFill>
                 </a:rPr>
